--- a/doc/進捗_7-15.pptx
+++ b/doc/進捗_7-15.pptx
@@ -20,6 +20,8 @@
     <p:sldId id="319" r:id="rId13"/>
     <p:sldId id="299" r:id="rId14"/>
     <p:sldId id="302" r:id="rId15"/>
+    <p:sldId id="322" r:id="rId16"/>
+    <p:sldId id="323" r:id="rId17"/>
   </p:sldIdLst>
   <p:sldSz cx="9144000" cy="6858000" type="screen4x3"/>
   <p:notesSz cx="6858000" cy="9144000"/>
@@ -6074,6 +6076,164 @@
         <p:txBody>
           <a:bodyPr/>
           <a:lstStyle/>
+          <a:p>
+            <a:fld id="{E6277560-9914-924F-8246-31A3347656E0}" type="slidenum">
+              <a:rPr kumimoji="1" lang="ja-JP" altLang="en-US" smtClean="0"/>
+            </a:fld>
+            <a:endParaRPr kumimoji="1" lang="ja-JP" altLang="en-US"/>
+          </a:p>
+        </p:txBody>
+      </p:sp>
+    </p:spTree>
+  </p:cSld>
+  <p:clrMapOvr>
+    <a:masterClrMapping/>
+  </p:clrMapOvr>
+</p:sld>
+</file>
+
+<file path=ppt/slides/slide13.xml><?xml version="1.0" encoding="utf-8"?>
+<p:sld xmlns:a="http://schemas.openxmlformats.org/drawingml/2006/main" xmlns:r="http://schemas.openxmlformats.org/officeDocument/2006/relationships" xmlns:p="http://schemas.openxmlformats.org/presentationml/2006/main">
+  <p:cSld>
+    <p:spTree>
+      <p:nvGrpSpPr>
+        <p:cNvPr id="1" name=""/>
+        <p:cNvGrpSpPr/>
+        <p:nvPr/>
+      </p:nvGrpSpPr>
+      <p:grpSpPr/>
+      <p:sp>
+        <p:nvSpPr>
+          <p:cNvPr id="2" name="Title 1"/>
+          <p:cNvSpPr>
+            <a:spLocks noGrp="1"/>
+          </p:cNvSpPr>
+          <p:nvPr>
+            <p:ph type="title"/>
+          </p:nvPr>
+        </p:nvSpPr>
+        <p:spPr/>
+        <p:txBody>
+          <a:bodyPr/>
+          <a:p>
+            <a:r>
+              <a:rPr lang="ja-JP" altLang="en-US"/>
+              <a:t>進捗</a:t>
+            </a:r>
+            <a:endParaRPr lang="ja-JP" altLang="en-US"/>
+          </a:p>
+        </p:txBody>
+      </p:sp>
+      <p:sp>
+        <p:nvSpPr>
+          <p:cNvPr id="3" name="Content Placeholder 2"/>
+          <p:cNvSpPr>
+            <a:spLocks noGrp="1"/>
+          </p:cNvSpPr>
+          <p:nvPr>
+            <p:ph idx="1"/>
+          </p:nvPr>
+        </p:nvSpPr>
+        <p:spPr/>
+        <p:txBody>
+          <a:bodyPr/>
+          <a:p>
+            <a:endParaRPr lang="en-US"/>
+          </a:p>
+        </p:txBody>
+      </p:sp>
+      <p:sp>
+        <p:nvSpPr>
+          <p:cNvPr id="4" name="Slide Number Placeholder 3"/>
+          <p:cNvSpPr>
+            <a:spLocks noGrp="1"/>
+          </p:cNvSpPr>
+          <p:nvPr>
+            <p:ph type="sldNum" sz="quarter" idx="12"/>
+          </p:nvPr>
+        </p:nvSpPr>
+        <p:spPr/>
+        <p:txBody>
+          <a:bodyPr/>
+          <a:p>
+            <a:fld id="{E6277560-9914-924F-8246-31A3347656E0}" type="slidenum">
+              <a:rPr kumimoji="1" lang="ja-JP" altLang="en-US" smtClean="0"/>
+            </a:fld>
+            <a:endParaRPr kumimoji="1" lang="ja-JP" altLang="en-US"/>
+          </a:p>
+        </p:txBody>
+      </p:sp>
+    </p:spTree>
+  </p:cSld>
+  <p:clrMapOvr>
+    <a:masterClrMapping/>
+  </p:clrMapOvr>
+</p:sld>
+</file>
+
+<file path=ppt/slides/slide14.xml><?xml version="1.0" encoding="utf-8"?>
+<p:sld xmlns:a="http://schemas.openxmlformats.org/drawingml/2006/main" xmlns:r="http://schemas.openxmlformats.org/officeDocument/2006/relationships" xmlns:p="http://schemas.openxmlformats.org/presentationml/2006/main">
+  <p:cSld>
+    <p:spTree>
+      <p:nvGrpSpPr>
+        <p:cNvPr id="1" name=""/>
+        <p:cNvGrpSpPr/>
+        <p:nvPr/>
+      </p:nvGrpSpPr>
+      <p:grpSpPr/>
+      <p:sp>
+        <p:nvSpPr>
+          <p:cNvPr id="2" name="Title 1"/>
+          <p:cNvSpPr>
+            <a:spLocks noGrp="1"/>
+          </p:cNvSpPr>
+          <p:nvPr>
+            <p:ph type="title"/>
+          </p:nvPr>
+        </p:nvSpPr>
+        <p:spPr/>
+        <p:txBody>
+          <a:bodyPr/>
+          <a:p>
+            <a:r>
+              <a:rPr lang="ja-JP" altLang="en-US"/>
+              <a:t>スケジュール</a:t>
+            </a:r>
+            <a:endParaRPr lang="ja-JP" altLang="en-US"/>
+          </a:p>
+        </p:txBody>
+      </p:sp>
+      <p:sp>
+        <p:nvSpPr>
+          <p:cNvPr id="3" name="Content Placeholder 2"/>
+          <p:cNvSpPr>
+            <a:spLocks noGrp="1"/>
+          </p:cNvSpPr>
+          <p:nvPr>
+            <p:ph idx="1"/>
+          </p:nvPr>
+        </p:nvSpPr>
+        <p:spPr/>
+        <p:txBody>
+          <a:bodyPr/>
+          <a:p>
+            <a:endParaRPr lang="en-US"/>
+          </a:p>
+        </p:txBody>
+      </p:sp>
+      <p:sp>
+        <p:nvSpPr>
+          <p:cNvPr id="4" name="Slide Number Placeholder 3"/>
+          <p:cNvSpPr>
+            <a:spLocks noGrp="1"/>
+          </p:cNvSpPr>
+          <p:nvPr>
+            <p:ph type="sldNum" sz="quarter" idx="12"/>
+          </p:nvPr>
+        </p:nvSpPr>
+        <p:spPr/>
+        <p:txBody>
+          <a:bodyPr/>
           <a:p>
             <a:fld id="{E6277560-9914-924F-8246-31A3347656E0}" type="slidenum">
               <a:rPr kumimoji="1" lang="ja-JP" altLang="en-US" smtClean="0"/>

--- a/doc/進捗_7-15.pptx
+++ b/doc/進捗_7-15.pptx
@@ -20,8 +20,12 @@
     <p:sldId id="319" r:id="rId13"/>
     <p:sldId id="299" r:id="rId14"/>
     <p:sldId id="302" r:id="rId15"/>
-    <p:sldId id="322" r:id="rId16"/>
-    <p:sldId id="323" r:id="rId17"/>
+    <p:sldId id="342" r:id="rId16"/>
+    <p:sldId id="331" r:id="rId17"/>
+    <p:sldId id="336" r:id="rId18"/>
+    <p:sldId id="340" r:id="rId19"/>
+    <p:sldId id="339" r:id="rId20"/>
+    <p:sldId id="323" r:id="rId21"/>
   </p:sldIdLst>
   <p:sldSz cx="9144000" cy="6858000" type="screen4x3"/>
   <p:notesSz cx="6858000" cy="9144000"/>
@@ -1619,6 +1623,80 @@
             <a:endParaRPr lang="ja-JP" altLang="en-US">
               <a:sym typeface="+mn-ea"/>
             </a:endParaRPr>
+          </a:p>
+        </p:txBody>
+      </p:sp>
+    </p:spTree>
+  </p:cSld>
+  <p:clrMapOvr>
+    <a:masterClrMapping/>
+  </p:clrMapOvr>
+</p:notes>
+</file>
+
+<file path=ppt/notesSlides/notesSlide7.xml><?xml version="1.0" encoding="utf-8"?>
+<p:notes xmlns:a="http://schemas.openxmlformats.org/drawingml/2006/main" xmlns:r="http://schemas.openxmlformats.org/officeDocument/2006/relationships" xmlns:p="http://schemas.openxmlformats.org/presentationml/2006/main">
+  <p:cSld>
+    <p:spTree>
+      <p:nvGrpSpPr>
+        <p:cNvPr id="1" name=""/>
+        <p:cNvGrpSpPr/>
+        <p:nvPr/>
+      </p:nvGrpSpPr>
+      <p:grpSpPr/>
+      <p:sp>
+        <p:nvSpPr>
+          <p:cNvPr id="2" name="Slide Image Placeholder 1"/>
+          <p:cNvSpPr/>
+          <p:nvPr>
+            <p:ph type="sldImg" idx="2"/>
+          </p:nvPr>
+        </p:nvSpPr>
+        <p:spPr/>
+      </p:sp>
+      <p:sp>
+        <p:nvSpPr>
+          <p:cNvPr id="3" name="Text Placeholder 2"/>
+          <p:cNvSpPr/>
+          <p:nvPr>
+            <p:ph type="body" idx="3"/>
+          </p:nvPr>
+        </p:nvSpPr>
+        <p:spPr/>
+        <p:txBody>
+          <a:bodyPr/>
+          <a:p>
+            <a:r>
+              <a:rPr lang="ja-JP" altLang="en-US"/>
+              <a:t>皆さん</a:t>
+            </a:r>
+            <a:r>
+              <a:rPr lang="ja-JP" altLang="en-US"/>
+              <a:t>、おはようございます。</a:t>
+            </a:r>
+            <a:endParaRPr lang="ja-JP" altLang="en-US"/>
+          </a:p>
+          <a:p>
+            <a:r>
+              <a:rPr altLang="ja-JP">
+                <a:sym typeface="+mn-ea"/>
+              </a:rPr>
+              <a:t>AIより生成されたソースコードの機械学習による識別手法の研究</a:t>
+            </a:r>
+            <a:endParaRPr altLang="ja-JP">
+              <a:sym typeface="+mn-ea"/>
+            </a:endParaRPr>
+          </a:p>
+          <a:p>
+            <a:r>
+              <a:rPr lang="ja-JP" altLang="en-US"/>
+              <a:t>について、発表させていただきます</a:t>
+            </a:r>
+            <a:r>
+              <a:rPr lang="ja-JP" altLang="en-US"/>
+              <a:t>。</a:t>
+            </a:r>
+            <a:endParaRPr lang="ja-JP" altLang="en-US"/>
           </a:p>
         </p:txBody>
       </p:sp>
@@ -6101,60 +6179,165 @@
         <p:cNvGrpSpPr/>
         <p:nvPr/>
       </p:nvGrpSpPr>
-      <p:grpSpPr/>
-      <p:sp>
-        <p:nvSpPr>
-          <p:cNvPr id="2" name="Title 1"/>
-          <p:cNvSpPr>
-            <a:spLocks noGrp="1"/>
-          </p:cNvSpPr>
-          <p:nvPr>
-            <p:ph type="title"/>
+      <p:grpSpPr>
+        <a:xfrm>
+          <a:off x="0" y="0"/>
+          <a:ext cx="0" cy="0"/>
+          <a:chOff x="0" y="0"/>
+          <a:chExt cx="0" cy="0"/>
+        </a:xfrm>
+      </p:grpSpPr>
+      <p:sp>
+        <p:nvSpPr>
+          <p:cNvPr id="2" name="タイトル 1"/>
+          <p:cNvSpPr>
+            <a:spLocks noGrp="1"/>
+          </p:cNvSpPr>
+          <p:nvPr>
+            <p:ph type="ctrTitle"/>
+          </p:nvPr>
+        </p:nvSpPr>
+        <p:spPr>
+          <a:xfrm>
+            <a:off x="685800" y="1122363"/>
+            <a:ext cx="7772400" cy="1853919"/>
+          </a:xfrm>
+        </p:spPr>
+        <p:txBody>
+          <a:bodyPr>
+            <a:noAutofit/>
+          </a:bodyPr>
+          <a:lstStyle/>
+          <a:p>
+            <a:r>
+              <a:rPr altLang="ja-JP" sz="4000">
+                <a:sym typeface="+mn-ea"/>
+              </a:rPr>
+              <a:t>AIより生成されたソースコードの機械学習による識別手法の研究</a:t>
+            </a:r>
+            <a:endParaRPr altLang="ja-JP" sz="4000">
+              <a:sym typeface="+mn-ea"/>
+            </a:endParaRPr>
+          </a:p>
+        </p:txBody>
+      </p:sp>
+      <p:sp>
+        <p:nvSpPr>
+          <p:cNvPr id="3" name="字幕 2"/>
+          <p:cNvSpPr>
+            <a:spLocks noGrp="1"/>
+          </p:cNvSpPr>
+          <p:nvPr>
+            <p:ph type="subTitle" idx="1"/>
+          </p:nvPr>
+        </p:nvSpPr>
+        <p:spPr>
+          <a:xfrm>
+            <a:off x="251013" y="3602038"/>
+            <a:ext cx="8444752" cy="2260880"/>
+          </a:xfrm>
+        </p:spPr>
+        <p:txBody>
+          <a:bodyPr>
+            <a:normAutofit lnSpcReduction="10000"/>
+          </a:bodyPr>
+          <a:lstStyle/>
+          <a:p>
+            <a:pPr algn="r"/>
+            <a:r>
+              <a:rPr kumimoji="1" lang="ja-JP" altLang="en-US"/>
+              <a:t>早稲田大学大学院</a:t>
+            </a:r>
+            <a:r>
+              <a:rPr kumimoji="1" lang="en-US" altLang="ja-JP" dirty="0"/>
+              <a:t> </a:t>
+            </a:r>
+            <a:r>
+              <a:rPr kumimoji="1" lang="ja-JP" altLang="en-US"/>
+              <a:t>創造理工学研究科</a:t>
+            </a:r>
+            <a:endParaRPr lang="en-US" altLang="ja-JP" dirty="0"/>
+          </a:p>
+          <a:p>
+            <a:pPr algn="r"/>
+            <a:r>
+              <a:rPr kumimoji="1" lang="ja-JP" altLang="en-US"/>
+              <a:t>経営システム工学専攻</a:t>
+            </a:r>
+            <a:endParaRPr lang="en-US" altLang="ja-JP" dirty="0"/>
+          </a:p>
+          <a:p>
+            <a:pPr algn="r"/>
+            <a:r>
+              <a:rPr kumimoji="1" lang="en-US" altLang="ja-JP" dirty="0"/>
+              <a:t>5223C038 </a:t>
+            </a:r>
+            <a:r>
+              <a:rPr kumimoji="1" lang="ja-JP" altLang="en-US" dirty="0"/>
+              <a:t>馮天時</a:t>
+            </a:r>
+            <a:endParaRPr kumimoji="1" lang="en-US" altLang="ja-JP" dirty="0"/>
+          </a:p>
+          <a:p>
+            <a:pPr algn="r"/>
+            <a:r>
+              <a:rPr kumimoji="1" lang="ja-JP" altLang="en-US"/>
+              <a:t>所属</a:t>
+            </a:r>
+            <a:r>
+              <a:rPr lang="en-US" altLang="ja-JP" dirty="0"/>
+              <a:t> : </a:t>
+            </a:r>
+            <a:r>
+              <a:rPr lang="ja-JP" altLang="en-US"/>
+              <a:t>岸研究室</a:t>
+            </a:r>
+            <a:endParaRPr kumimoji="1" lang="en-US" altLang="ja-JP" dirty="0"/>
+          </a:p>
+          <a:p>
+            <a:pPr algn="r"/>
+            <a:r>
+              <a:rPr lang="en-US" altLang="ja-JP" dirty="0"/>
+              <a:t>2024</a:t>
+            </a:r>
+            <a:r>
+              <a:rPr lang="ja-JP" altLang="en-US"/>
+              <a:t>年</a:t>
+            </a:r>
+            <a:r>
+              <a:rPr lang="en-US" altLang="ja-JP" dirty="0"/>
+              <a:t>7</a:t>
+            </a:r>
+            <a:r>
+              <a:rPr lang="ja-JP" altLang="en-US"/>
+              <a:t>月</a:t>
+            </a:r>
+            <a:r>
+              <a:rPr lang="en-US" altLang="ja-JP" dirty="0"/>
+              <a:t>15</a:t>
+            </a:r>
+            <a:r>
+              <a:rPr lang="ja-JP" altLang="en-US"/>
+              <a:t>日</a:t>
+            </a:r>
+            <a:endParaRPr kumimoji="1" lang="ja-JP" altLang="en-US"/>
+          </a:p>
+        </p:txBody>
+      </p:sp>
+      <p:sp>
+        <p:nvSpPr>
+          <p:cNvPr id="5" name="スライド番号プレースホルダー 4"/>
+          <p:cNvSpPr>
+            <a:spLocks noGrp="1"/>
+          </p:cNvSpPr>
+          <p:nvPr>
+            <p:ph type="sldNum" sz="quarter" idx="12"/>
           </p:nvPr>
         </p:nvSpPr>
         <p:spPr/>
         <p:txBody>
           <a:bodyPr/>
-          <a:p>
-            <a:r>
-              <a:rPr lang="ja-JP" altLang="en-US"/>
-              <a:t>進捗</a:t>
-            </a:r>
-            <a:endParaRPr lang="ja-JP" altLang="en-US"/>
-          </a:p>
-        </p:txBody>
-      </p:sp>
-      <p:sp>
-        <p:nvSpPr>
-          <p:cNvPr id="3" name="Content Placeholder 2"/>
-          <p:cNvSpPr>
-            <a:spLocks noGrp="1"/>
-          </p:cNvSpPr>
-          <p:nvPr>
-            <p:ph idx="1"/>
-          </p:nvPr>
-        </p:nvSpPr>
-        <p:spPr/>
-        <p:txBody>
-          <a:bodyPr/>
-          <a:p>
-            <a:endParaRPr lang="en-US"/>
-          </a:p>
-        </p:txBody>
-      </p:sp>
-      <p:sp>
-        <p:nvSpPr>
-          <p:cNvPr id="4" name="Slide Number Placeholder 3"/>
-          <p:cNvSpPr>
-            <a:spLocks noGrp="1"/>
-          </p:cNvSpPr>
-          <p:nvPr>
-            <p:ph type="sldNum" sz="quarter" idx="12"/>
-          </p:nvPr>
-        </p:nvSpPr>
-        <p:spPr/>
-        <p:txBody>
-          <a:bodyPr/>
+          <a:lstStyle/>
           <a:p>
             <a:fld id="{E6277560-9914-924F-8246-31A3347656E0}" type="slidenum">
               <a:rPr kumimoji="1" lang="ja-JP" altLang="en-US" smtClean="0"/>
@@ -6197,6 +6380,730 @@
           <a:p>
             <a:r>
               <a:rPr lang="ja-JP" altLang="en-US"/>
+              <a:t>進捗</a:t>
+            </a:r>
+            <a:endParaRPr lang="ja-JP" altLang="en-US"/>
+          </a:p>
+        </p:txBody>
+      </p:sp>
+      <p:sp>
+        <p:nvSpPr>
+          <p:cNvPr id="3" name="Content Placeholder 2"/>
+          <p:cNvSpPr>
+            <a:spLocks noGrp="1"/>
+          </p:cNvSpPr>
+          <p:nvPr>
+            <p:ph idx="1"/>
+          </p:nvPr>
+        </p:nvSpPr>
+        <p:spPr>
+          <a:xfrm>
+            <a:off x="628650" y="954405"/>
+            <a:ext cx="7886700" cy="5375275"/>
+          </a:xfrm>
+        </p:spPr>
+        <p:txBody>
+          <a:bodyPr>
+            <a:normAutofit fontScale="90000"/>
+          </a:bodyPr>
+          <a:p>
+            <a:r>
+              <a:rPr lang="ja-JP" altLang="en-US" sz="2665" b="1"/>
+              <a:t>予備実験の再実験</a:t>
+            </a:r>
+            <a:endParaRPr lang="ja-JP" altLang="en-US" b="1"/>
+          </a:p>
+          <a:p>
+            <a:pPr marL="0" algn="l">
+              <a:buClrTx/>
+              <a:buSzTx/>
+              <a:buNone/>
+            </a:pPr>
+            <a:r>
+              <a:rPr lang="ja-JP" altLang="en-US" sz="2000" dirty="0"/>
+              <a:t>参考文献が少ないため、タスクの実現可能性を検証するため中間発表の前で予備実験を行い、データセットを構築した後、2000組のデータ規模で96%の識別精度を実現しましたが。</a:t>
+            </a:r>
+            <a:endParaRPr lang="ja-JP" altLang="en-US" sz="2000" dirty="0"/>
+          </a:p>
+          <a:p>
+            <a:pPr marL="0" algn="l">
+              <a:buClrTx/>
+              <a:buSzTx/>
+              <a:buNone/>
+            </a:pPr>
+            <a:r>
+              <a:rPr lang="ja-JP" altLang="en-US" sz="2000" dirty="0"/>
+              <a:t>しかし、AIテキスト生成識別タスクは一般に精度が低いため、AI生成コンテンツの識別は困難なタスクであると考えられます。したがって、予備実験の精度が高すぎると考えられ、ある程度のデータバイアスが存在する可能性があると考えられます。</a:t>
+            </a:r>
+            <a:endParaRPr lang="ja-JP" altLang="en-US" sz="2000" dirty="0"/>
+          </a:p>
+          <a:p>
+            <a:pPr marL="0" algn="l" fontAlgn="auto">
+              <a:lnSpc>
+                <a:spcPct val="90000"/>
+              </a:lnSpc>
+              <a:buClrTx/>
+              <a:buSzTx/>
+              <a:buNone/>
+            </a:pPr>
+            <a:r>
+              <a:rPr lang="ja-JP" altLang="en-US" sz="2000" dirty="0">
+                <a:sym typeface="+mn-ea"/>
+              </a:rPr>
+              <a:t>例えば、人間が書いたコードのサンプルには、プログラミング競技プラットフォームが提供したテンプレートがあるため、クラス名が基本的にMainになっています。AIが生成したコードのサンプルでは、クラス名がコードの問題によって決まります。</a:t>
+            </a:r>
+            <a:endParaRPr lang="ja-JP" altLang="en-US" sz="2000" dirty="0"/>
+          </a:p>
+          <a:p>
+            <a:pPr marL="0" algn="l" fontAlgn="auto">
+              <a:lnSpc>
+                <a:spcPct val="90000"/>
+              </a:lnSpc>
+              <a:buClrTx/>
+              <a:buSzTx/>
+              <a:buNone/>
+            </a:pPr>
+            <a:r>
+              <a:rPr lang="ja-JP" altLang="en-US" sz="2000" dirty="0">
+                <a:sym typeface="+mn-ea"/>
+              </a:rPr>
+              <a:t>また、コメントに言語的な違いがある場合もあります。たとえば、多くのサンプルがAtCoderプラットフォームから来ているため、日本語のコメントが存在し、AIが生成したコードのコメントは基本的に英語です。</a:t>
+            </a:r>
+            <a:endParaRPr lang="ja-JP" altLang="en-US" sz="2000" dirty="0"/>
+          </a:p>
+          <a:p>
+            <a:pPr marL="0" algn="l" fontAlgn="auto">
+              <a:lnSpc>
+                <a:spcPct val="90000"/>
+              </a:lnSpc>
+              <a:buClrTx/>
+              <a:buSzTx/>
+              <a:buNone/>
+            </a:pPr>
+            <a:r>
+              <a:rPr lang="ja-JP" altLang="en-US" sz="2000" dirty="0">
+                <a:sym typeface="+mn-ea"/>
+              </a:rPr>
+              <a:t>以上の点からデータ処理を行った後、再実験を行い精度が</a:t>
+            </a:r>
+            <a:r>
+              <a:rPr lang="en-US" altLang="ja-JP" sz="2000" dirty="0">
+                <a:sym typeface="+mn-ea"/>
+              </a:rPr>
+              <a:t>4%</a:t>
+            </a:r>
+            <a:r>
+              <a:rPr lang="ja-JP" altLang="en-US" sz="2000" dirty="0">
+                <a:sym typeface="+mn-ea"/>
+              </a:rPr>
+              <a:t>下がりました</a:t>
+            </a:r>
+            <a:r>
+              <a:rPr lang="ja-JP" altLang="en-US" sz="2000" dirty="0">
+                <a:sym typeface="+mn-ea"/>
+              </a:rPr>
+              <a:t>が依然として高く</a:t>
+            </a:r>
+            <a:r>
+              <a:rPr lang="ja-JP" altLang="en-US" sz="2000" dirty="0">
+                <a:sym typeface="+mn-ea"/>
+              </a:rPr>
+              <a:t>。</a:t>
+            </a:r>
+            <a:endParaRPr lang="ja-JP" altLang="en-US" sz="2000" dirty="0">
+              <a:sym typeface="+mn-ea"/>
+            </a:endParaRPr>
+          </a:p>
+        </p:txBody>
+      </p:sp>
+      <p:sp>
+        <p:nvSpPr>
+          <p:cNvPr id="4" name="Slide Number Placeholder 3"/>
+          <p:cNvSpPr>
+            <a:spLocks noGrp="1"/>
+          </p:cNvSpPr>
+          <p:nvPr>
+            <p:ph type="sldNum" sz="quarter" idx="12"/>
+          </p:nvPr>
+        </p:nvSpPr>
+        <p:spPr/>
+        <p:txBody>
+          <a:bodyPr/>
+          <a:p>
+            <a:fld id="{E6277560-9914-924F-8246-31A3347656E0}" type="slidenum">
+              <a:rPr kumimoji="1" lang="ja-JP" altLang="en-US" smtClean="0"/>
+            </a:fld>
+            <a:endParaRPr kumimoji="1" lang="ja-JP" altLang="en-US"/>
+          </a:p>
+        </p:txBody>
+      </p:sp>
+    </p:spTree>
+  </p:cSld>
+  <p:clrMapOvr>
+    <a:masterClrMapping/>
+  </p:clrMapOvr>
+</p:sld>
+</file>
+
+<file path=ppt/slides/slide15.xml><?xml version="1.0" encoding="utf-8"?>
+<p:sld xmlns:a="http://schemas.openxmlformats.org/drawingml/2006/main" xmlns:r="http://schemas.openxmlformats.org/officeDocument/2006/relationships" xmlns:p="http://schemas.openxmlformats.org/presentationml/2006/main">
+  <p:cSld>
+    <p:spTree>
+      <p:nvGrpSpPr>
+        <p:cNvPr id="1" name=""/>
+        <p:cNvGrpSpPr/>
+        <p:nvPr/>
+      </p:nvGrpSpPr>
+      <p:grpSpPr/>
+      <p:sp>
+        <p:nvSpPr>
+          <p:cNvPr id="2" name="Title 1"/>
+          <p:cNvSpPr>
+            <a:spLocks noGrp="1"/>
+          </p:cNvSpPr>
+          <p:nvPr>
+            <p:ph type="title"/>
+          </p:nvPr>
+        </p:nvSpPr>
+        <p:spPr/>
+        <p:txBody>
+          <a:bodyPr/>
+          <a:p>
+            <a:r>
+              <a:rPr lang="ja-JP" altLang="en-US"/>
+              <a:t>進捗</a:t>
+            </a:r>
+            <a:endParaRPr lang="ja-JP" altLang="en-US"/>
+          </a:p>
+        </p:txBody>
+      </p:sp>
+      <p:sp>
+        <p:nvSpPr>
+          <p:cNvPr id="3" name="Content Placeholder 2"/>
+          <p:cNvSpPr>
+            <a:spLocks noGrp="1"/>
+          </p:cNvSpPr>
+          <p:nvPr>
+            <p:ph idx="1"/>
+          </p:nvPr>
+        </p:nvSpPr>
+        <p:spPr>
+          <a:xfrm>
+            <a:off x="628650" y="951230"/>
+            <a:ext cx="7886700" cy="5095875"/>
+          </a:xfrm>
+        </p:spPr>
+        <p:txBody>
+          <a:bodyPr>
+            <a:normAutofit fontScale="80000"/>
+          </a:bodyPr>
+          <a:p>
+            <a:r>
+              <a:rPr lang="ja-JP" altLang="en-US" sz="3000" b="1"/>
+              <a:t>データセット構築の</a:t>
+            </a:r>
+            <a:r>
+              <a:rPr lang="ja-JP" altLang="en-US" sz="3000" b="1"/>
+              <a:t>引き続き</a:t>
+            </a:r>
+            <a:endParaRPr lang="ja-JP" altLang="en-US" sz="3000" b="1"/>
+          </a:p>
+          <a:p>
+            <a:pPr marL="0" algn="l" fontAlgn="auto">
+              <a:lnSpc>
+                <a:spcPct val="90000"/>
+              </a:lnSpc>
+              <a:buClrTx/>
+              <a:buSzTx/>
+              <a:buNone/>
+            </a:pPr>
+            <a:r>
+              <a:rPr lang="ja-JP" altLang="en-US" sz="2750" dirty="0"/>
+              <a:t>再実験時にデータセット構築がまだ完全に終わっていなかったため、精度にはまだ向上の余地があると考えられます。また、後続の研究をスムーズに進めるために、より大規模なデータセットが必要だと考えられる。</a:t>
+            </a:r>
+            <a:endParaRPr lang="ja-JP" altLang="en-US" sz="2750" dirty="0"/>
+          </a:p>
+          <a:p>
+            <a:pPr marL="0" algn="l" fontAlgn="auto">
+              <a:lnSpc>
+                <a:spcPct val="90000"/>
+              </a:lnSpc>
+              <a:buClrTx/>
+              <a:buSzTx/>
+              <a:buNone/>
+            </a:pPr>
+            <a:r>
+              <a:rPr lang="ja-JP" altLang="en-US" sz="2750" dirty="0"/>
+              <a:t>そこで、データセットを倍増させ、3700組のデータ規模でモデルのトレニンーグを行い、300組のデータでテストを行い、結果として、識別精度は97%に達しました。</a:t>
+            </a:r>
+            <a:endParaRPr lang="ja-JP" altLang="en-US" sz="2750" dirty="0"/>
+          </a:p>
+          <a:p>
+            <a:pPr marL="0" algn="l" fontAlgn="auto">
+              <a:lnSpc>
+                <a:spcPct val="90000"/>
+              </a:lnSpc>
+              <a:buClrTx/>
+              <a:buSzTx/>
+              <a:buNone/>
+            </a:pPr>
+            <a:r>
+              <a:rPr lang="ja-JP" altLang="en-US" sz="2750" dirty="0"/>
+              <a:t>予備実験の精度は依然として高すぎると思われるため、次の特徴重要性分析段階で、精度が高すぎる原因を探り、モデルの汎化能力を保証するための解決策を提案、そしてAI生成コードと人間が書いたコードの違いを議論します。</a:t>
+            </a:r>
+            <a:endParaRPr lang="ja-JP" altLang="en-US" sz="2750" dirty="0"/>
+          </a:p>
+        </p:txBody>
+      </p:sp>
+      <p:sp>
+        <p:nvSpPr>
+          <p:cNvPr id="4" name="Slide Number Placeholder 3"/>
+          <p:cNvSpPr>
+            <a:spLocks noGrp="1"/>
+          </p:cNvSpPr>
+          <p:nvPr>
+            <p:ph type="sldNum" sz="quarter" idx="12"/>
+          </p:nvPr>
+        </p:nvSpPr>
+        <p:spPr/>
+        <p:txBody>
+          <a:bodyPr/>
+          <a:p>
+            <a:fld id="{E6277560-9914-924F-8246-31A3347656E0}" type="slidenum">
+              <a:rPr kumimoji="1" lang="ja-JP" altLang="en-US" smtClean="0"/>
+            </a:fld>
+            <a:endParaRPr kumimoji="1" lang="ja-JP" altLang="en-US"/>
+          </a:p>
+        </p:txBody>
+      </p:sp>
+    </p:spTree>
+  </p:cSld>
+  <p:clrMapOvr>
+    <a:masterClrMapping/>
+  </p:clrMapOvr>
+</p:sld>
+</file>
+
+<file path=ppt/slides/slide16.xml><?xml version="1.0" encoding="utf-8"?>
+<p:sld xmlns:a="http://schemas.openxmlformats.org/drawingml/2006/main" xmlns:r="http://schemas.openxmlformats.org/officeDocument/2006/relationships" xmlns:p="http://schemas.openxmlformats.org/presentationml/2006/main">
+  <p:cSld>
+    <p:spTree>
+      <p:nvGrpSpPr>
+        <p:cNvPr id="1" name=""/>
+        <p:cNvGrpSpPr/>
+        <p:nvPr/>
+      </p:nvGrpSpPr>
+      <p:grpSpPr/>
+      <p:sp>
+        <p:nvSpPr>
+          <p:cNvPr id="2" name="Title 1"/>
+          <p:cNvSpPr>
+            <a:spLocks noGrp="1"/>
+          </p:cNvSpPr>
+          <p:nvPr>
+            <p:ph type="title"/>
+          </p:nvPr>
+        </p:nvSpPr>
+        <p:spPr/>
+        <p:txBody>
+          <a:bodyPr/>
+          <a:p>
+            <a:r>
+              <a:rPr lang="ja-JP" altLang="en-US">
+                <a:sym typeface="+mn-ea"/>
+              </a:rPr>
+              <a:t>進捗</a:t>
+            </a:r>
+            <a:endParaRPr lang="en-US"/>
+          </a:p>
+        </p:txBody>
+      </p:sp>
+      <p:sp>
+        <p:nvSpPr>
+          <p:cNvPr id="4" name="Slide Number Placeholder 3"/>
+          <p:cNvSpPr>
+            <a:spLocks noGrp="1"/>
+          </p:cNvSpPr>
+          <p:nvPr>
+            <p:ph type="sldNum" sz="quarter" idx="12"/>
+          </p:nvPr>
+        </p:nvSpPr>
+        <p:spPr/>
+        <p:txBody>
+          <a:bodyPr/>
+          <a:p>
+            <a:fld id="{E6277560-9914-924F-8246-31A3347656E0}" type="slidenum">
+              <a:rPr kumimoji="1" lang="ja-JP" altLang="en-US" smtClean="0"/>
+            </a:fld>
+            <a:endParaRPr kumimoji="1" lang="ja-JP" altLang="en-US"/>
+          </a:p>
+        </p:txBody>
+      </p:sp>
+      <p:sp>
+        <p:nvSpPr>
+          <p:cNvPr id="6" name="Rectangles 5"/>
+          <p:cNvSpPr/>
+          <p:nvPr/>
+        </p:nvSpPr>
+        <p:spPr>
+          <a:xfrm>
+            <a:off x="2750820" y="5313680"/>
+            <a:ext cx="335280" cy="176530"/>
+          </a:xfrm>
+          <a:prstGeom prst="rect">
+            <a:avLst/>
+          </a:prstGeom>
+          <a:noFill/>
+          <a:ln w="38100">
+            <a:gradFill>
+              <a:gsLst>
+                <a:gs pos="0">
+                  <a:srgbClr val="FE4444"/>
+                </a:gs>
+                <a:gs pos="100000">
+                  <a:srgbClr val="832B2B"/>
+                </a:gs>
+              </a:gsLst>
+            </a:gradFill>
+          </a:ln>
+          <a:extLst>
+            <a:ext uri="{909E8E84-426E-40DD-AFC4-6F175D3DCCD1}">
+              <a14:hiddenFill xmlns:a14="http://schemas.microsoft.com/office/drawing/2010/main">
+                <a:gradFill>
+                  <a:gsLst>
+                    <a:gs pos="0">
+                      <a:srgbClr val="FE4444"/>
+                    </a:gs>
+                    <a:gs pos="100000">
+                      <a:srgbClr val="832B2B"/>
+                    </a:gs>
+                  </a:gsLst>
+                  <a:lin scaled="0"/>
+                </a:gradFill>
+              </a14:hiddenFill>
+            </a:ext>
+          </a:extLst>
+        </p:spPr>
+        <p:style>
+          <a:lnRef idx="2">
+            <a:schemeClr val="accent1">
+              <a:shade val="50000"/>
+            </a:schemeClr>
+          </a:lnRef>
+          <a:fillRef idx="1">
+            <a:schemeClr val="accent1"/>
+          </a:fillRef>
+          <a:effectRef idx="0">
+            <a:schemeClr val="accent1"/>
+          </a:effectRef>
+          <a:fontRef idx="minor">
+            <a:schemeClr val="lt1"/>
+          </a:fontRef>
+        </p:style>
+        <p:txBody>
+          <a:bodyPr rtlCol="0" anchor="ctr"/>
+          <a:p>
+            <a:pPr algn="ctr"/>
+            <a:endParaRPr lang="en-US"/>
+          </a:p>
+        </p:txBody>
+      </p:sp>
+      <p:pic>
+        <p:nvPicPr>
+          <p:cNvPr id="8" name="Content Placeholder 4" descr="image (1)"/>
+          <p:cNvPicPr>
+            <a:picLocks noChangeAspect="1"/>
+          </p:cNvPicPr>
+          <p:nvPr>
+            <p:ph idx="1"/>
+          </p:nvPr>
+        </p:nvPicPr>
+        <p:blipFill>
+          <a:blip r:embed="rId1"/>
+          <a:stretch>
+            <a:fillRect/>
+          </a:stretch>
+        </p:blipFill>
+        <p:spPr>
+          <a:xfrm>
+            <a:off x="1122045" y="1255395"/>
+            <a:ext cx="6899275" cy="4351020"/>
+          </a:xfrm>
+          <a:prstGeom prst="rect">
+            <a:avLst/>
+          </a:prstGeom>
+        </p:spPr>
+      </p:pic>
+      <p:sp>
+        <p:nvSpPr>
+          <p:cNvPr id="9" name="Rectangles 8"/>
+          <p:cNvSpPr/>
+          <p:nvPr/>
+        </p:nvSpPr>
+        <p:spPr>
+          <a:xfrm>
+            <a:off x="2273300" y="4872990"/>
+            <a:ext cx="477520" cy="264160"/>
+          </a:xfrm>
+          <a:prstGeom prst="rect">
+            <a:avLst/>
+          </a:prstGeom>
+          <a:noFill/>
+          <a:ln w="38100">
+            <a:gradFill>
+              <a:gsLst>
+                <a:gs pos="0">
+                  <a:srgbClr val="FE4444"/>
+                </a:gs>
+                <a:gs pos="100000">
+                  <a:srgbClr val="832B2B"/>
+                </a:gs>
+              </a:gsLst>
+            </a:gradFill>
+          </a:ln>
+          <a:extLst>
+            <a:ext uri="{909E8E84-426E-40DD-AFC4-6F175D3DCCD1}">
+              <a14:hiddenFill xmlns:a14="http://schemas.microsoft.com/office/drawing/2010/main">
+                <a:gradFill>
+                  <a:gsLst>
+                    <a:gs pos="0">
+                      <a:srgbClr val="FE4444"/>
+                    </a:gs>
+                    <a:gs pos="100000">
+                      <a:srgbClr val="832B2B"/>
+                    </a:gs>
+                  </a:gsLst>
+                  <a:lin scaled="0"/>
+                </a:gradFill>
+              </a14:hiddenFill>
+            </a:ext>
+          </a:extLst>
+        </p:spPr>
+        <p:style>
+          <a:lnRef idx="2">
+            <a:schemeClr val="accent1">
+              <a:shade val="50000"/>
+            </a:schemeClr>
+          </a:lnRef>
+          <a:fillRef idx="1">
+            <a:schemeClr val="accent1"/>
+          </a:fillRef>
+          <a:effectRef idx="0">
+            <a:schemeClr val="accent1"/>
+          </a:effectRef>
+          <a:fontRef idx="minor">
+            <a:schemeClr val="lt1"/>
+          </a:fontRef>
+        </p:style>
+        <p:txBody>
+          <a:bodyPr rtlCol="0" anchor="ctr"/>
+          <a:p>
+            <a:pPr algn="ctr"/>
+            <a:endParaRPr lang="en-US"/>
+          </a:p>
+        </p:txBody>
+      </p:sp>
+    </p:spTree>
+  </p:cSld>
+  <p:clrMapOvr>
+    <a:masterClrMapping/>
+  </p:clrMapOvr>
+</p:sld>
+</file>
+
+<file path=ppt/slides/slide17.xml><?xml version="1.0" encoding="utf-8"?>
+<p:sld xmlns:a="http://schemas.openxmlformats.org/drawingml/2006/main" xmlns:r="http://schemas.openxmlformats.org/officeDocument/2006/relationships" xmlns:p="http://schemas.openxmlformats.org/presentationml/2006/main">
+  <p:cSld>
+    <p:spTree>
+      <p:nvGrpSpPr>
+        <p:cNvPr id="1" name=""/>
+        <p:cNvGrpSpPr/>
+        <p:nvPr/>
+      </p:nvGrpSpPr>
+      <p:grpSpPr/>
+      <p:sp>
+        <p:nvSpPr>
+          <p:cNvPr id="2" name="Title 1"/>
+          <p:cNvSpPr>
+            <a:spLocks noGrp="1"/>
+          </p:cNvSpPr>
+          <p:nvPr>
+            <p:ph type="title"/>
+          </p:nvPr>
+        </p:nvSpPr>
+        <p:spPr/>
+        <p:txBody>
+          <a:bodyPr/>
+          <a:p>
+            <a:r>
+              <a:rPr lang="ja-JP" altLang="en-US"/>
+              <a:t>進捗</a:t>
+            </a:r>
+            <a:endParaRPr lang="ja-JP" altLang="en-US"/>
+          </a:p>
+        </p:txBody>
+      </p:sp>
+      <p:sp>
+        <p:nvSpPr>
+          <p:cNvPr id="3" name="Content Placeholder 2"/>
+          <p:cNvSpPr>
+            <a:spLocks noGrp="1"/>
+          </p:cNvSpPr>
+          <p:nvPr>
+            <p:ph idx="1"/>
+          </p:nvPr>
+        </p:nvSpPr>
+        <p:spPr>
+          <a:xfrm>
+            <a:off x="628650" y="951230"/>
+            <a:ext cx="7886700" cy="5095875"/>
+          </a:xfrm>
+        </p:spPr>
+        <p:txBody>
+          <a:bodyPr>
+            <a:normAutofit/>
+          </a:bodyPr>
+          <a:p>
+            <a:r>
+              <a:rPr lang="ja-JP" altLang="en-US" sz="2400" b="1"/>
+              <a:t>参考文献の検証</a:t>
+            </a:r>
+            <a:endParaRPr lang="ja-JP" altLang="en-US" sz="2400" b="1"/>
+          </a:p>
+          <a:p>
+            <a:pPr marL="0" algn="l" fontAlgn="auto">
+              <a:lnSpc>
+                <a:spcPct val="90000"/>
+              </a:lnSpc>
+              <a:buClrTx/>
+              <a:buSzTx/>
+              <a:buNone/>
+            </a:pPr>
+            <a:r>
+              <a:rPr lang="ja-JP" altLang="en-US" sz="2200" dirty="0"/>
+              <a:t>以前のゼミで提起された、既存のAIテキスト識別ツールや参考文献の手法が入社試験に適用可能かどうかについての議論がありました。そこで、研究以外で、GPTZeroや参考文献で提案されたGPTSnifferなどの代表的なAIテキスト識別ツールを検証する予定です。</a:t>
+            </a:r>
+            <a:endParaRPr lang="ja-JP" altLang="en-US" sz="2200" dirty="0"/>
+          </a:p>
+          <a:p>
+            <a:pPr marL="0" algn="l" fontAlgn="auto">
+              <a:lnSpc>
+                <a:spcPct val="90000"/>
+              </a:lnSpc>
+              <a:buClrTx/>
+              <a:buSzTx/>
+              <a:buNone/>
+            </a:pPr>
+            <a:r>
+              <a:rPr lang="ja-JP" altLang="en-US" sz="2200" dirty="0"/>
+              <a:t>P.S.</a:t>
+            </a:r>
+            <a:endParaRPr lang="ja-JP" altLang="en-US" sz="2200" dirty="0"/>
+          </a:p>
+          <a:p>
+            <a:pPr marL="0" algn="l" fontAlgn="auto">
+              <a:lnSpc>
+                <a:spcPct val="90000"/>
+              </a:lnSpc>
+              <a:buClrTx/>
+              <a:buSzTx/>
+              <a:buNone/>
+            </a:pPr>
+            <a:r>
+              <a:rPr lang="ja-JP" altLang="en-US" sz="2200" dirty="0"/>
+              <a:t>OpenAI Text Classifierはサービスが停止しているため、現在は検証できません。</a:t>
+            </a:r>
+            <a:endParaRPr lang="ja-JP" altLang="en-US" sz="2200" dirty="0"/>
+          </a:p>
+          <a:p>
+            <a:pPr marL="0" algn="l" fontAlgn="auto">
+              <a:lnSpc>
+                <a:spcPct val="90000"/>
+              </a:lnSpc>
+              <a:buClrTx/>
+              <a:buSzTx/>
+              <a:buNone/>
+            </a:pPr>
+            <a:r>
+              <a:rPr lang="ja-JP" altLang="en-US" sz="2200" dirty="0"/>
+              <a:t>GPTSnifferはGitHubでコードとデータセットが公開されているため、異なる応用シナリオでの検証を行います。</a:t>
+            </a:r>
+            <a:endParaRPr lang="ja-JP" altLang="en-US" sz="2200" dirty="0"/>
+          </a:p>
+          <a:p>
+            <a:pPr marL="0" algn="l" fontAlgn="auto">
+              <a:lnSpc>
+                <a:spcPct val="90000"/>
+              </a:lnSpc>
+              <a:buClrTx/>
+              <a:buSzTx/>
+              <a:buNone/>
+            </a:pPr>
+            <a:r>
+              <a:rPr lang="ja-JP" altLang="en-US" sz="2200">
+                <a:sym typeface="+mn-ea"/>
+              </a:rPr>
+              <a:t>https://github.com/MDEGroup/GPTSniffer</a:t>
+            </a:r>
+            <a:endParaRPr lang="ja-JP" altLang="en-US" sz="2200" dirty="0"/>
+          </a:p>
+        </p:txBody>
+      </p:sp>
+      <p:sp>
+        <p:nvSpPr>
+          <p:cNvPr id="4" name="Slide Number Placeholder 3"/>
+          <p:cNvSpPr>
+            <a:spLocks noGrp="1"/>
+          </p:cNvSpPr>
+          <p:nvPr>
+            <p:ph type="sldNum" sz="quarter" idx="12"/>
+          </p:nvPr>
+        </p:nvSpPr>
+        <p:spPr/>
+        <p:txBody>
+          <a:bodyPr/>
+          <a:p>
+            <a:fld id="{E6277560-9914-924F-8246-31A3347656E0}" type="slidenum">
+              <a:rPr kumimoji="1" lang="ja-JP" altLang="en-US" smtClean="0"/>
+            </a:fld>
+            <a:endParaRPr kumimoji="1" lang="ja-JP" altLang="en-US"/>
+          </a:p>
+        </p:txBody>
+      </p:sp>
+    </p:spTree>
+  </p:cSld>
+  <p:clrMapOvr>
+    <a:masterClrMapping/>
+  </p:clrMapOvr>
+</p:sld>
+</file>
+
+<file path=ppt/slides/slide18.xml><?xml version="1.0" encoding="utf-8"?>
+<p:sld xmlns:a="http://schemas.openxmlformats.org/drawingml/2006/main" xmlns:r="http://schemas.openxmlformats.org/officeDocument/2006/relationships" xmlns:p="http://schemas.openxmlformats.org/presentationml/2006/main">
+  <p:cSld>
+    <p:spTree>
+      <p:nvGrpSpPr>
+        <p:cNvPr id="1" name=""/>
+        <p:cNvGrpSpPr/>
+        <p:nvPr/>
+      </p:nvGrpSpPr>
+      <p:grpSpPr/>
+      <p:sp>
+        <p:nvSpPr>
+          <p:cNvPr id="2" name="Title 1"/>
+          <p:cNvSpPr>
+            <a:spLocks noGrp="1"/>
+          </p:cNvSpPr>
+          <p:nvPr>
+            <p:ph type="title"/>
+          </p:nvPr>
+        </p:nvSpPr>
+        <p:spPr/>
+        <p:txBody>
+          <a:bodyPr/>
+          <a:p>
+            <a:r>
+              <a:rPr lang="ja-JP" altLang="en-US"/>
               <a:t>スケジュール</a:t>
             </a:r>
             <a:endParaRPr lang="ja-JP" altLang="en-US"/>
@@ -6213,11 +7120,196 @@
             <p:ph idx="1"/>
           </p:nvPr>
         </p:nvSpPr>
-        <p:spPr/>
-        <p:txBody>
-          <a:bodyPr/>
-          <a:p>
-            <a:endParaRPr lang="en-US"/>
+        <p:spPr>
+          <a:xfrm>
+            <a:off x="628650" y="917575"/>
+            <a:ext cx="7886700" cy="5278120"/>
+          </a:xfrm>
+        </p:spPr>
+        <p:txBody>
+          <a:bodyPr>
+            <a:noAutofit/>
+          </a:bodyPr>
+          <a:p>
+            <a:pPr marL="0" indent="0">
+              <a:buNone/>
+            </a:pPr>
+            <a:r>
+              <a:rPr lang="ja-JP" altLang="en-US" sz="1600" b="1">
+                <a:solidFill>
+                  <a:srgbClr val="FF0000"/>
+                </a:solidFill>
+              </a:rPr>
+              <a:t>予備実験（完了）</a:t>
+            </a:r>
+            <a:r>
+              <a:rPr lang="en-US" altLang="ja-JP" sz="1600" b="1">
+                <a:solidFill>
+                  <a:srgbClr val="FF0000"/>
+                </a:solidFill>
+              </a:rPr>
+              <a:t>-&gt; </a:t>
+            </a:r>
+            <a:r>
+              <a:rPr lang="ja-JP" altLang="en-US" sz="1600" b="1">
+                <a:solidFill>
+                  <a:srgbClr val="FF0000"/>
+                </a:solidFill>
+              </a:rPr>
+              <a:t>特徴分析（</a:t>
+            </a:r>
+            <a:r>
+              <a:rPr lang="en-US" altLang="ja-JP" sz="1600" b="1">
+                <a:solidFill>
+                  <a:srgbClr val="FF0000"/>
+                </a:solidFill>
+              </a:rPr>
+              <a:t>3</a:t>
+            </a:r>
+            <a:r>
+              <a:rPr lang="ja-JP" altLang="en-US" sz="1600" b="1">
+                <a:solidFill>
+                  <a:srgbClr val="FF0000"/>
+                </a:solidFill>
+              </a:rPr>
+              <a:t>ヶ月）</a:t>
+            </a:r>
+            <a:r>
+              <a:rPr lang="en-US" altLang="ja-JP" sz="1600" b="1">
+                <a:solidFill>
+                  <a:srgbClr val="FF0000"/>
+                </a:solidFill>
+              </a:rPr>
+              <a:t>-&gt; </a:t>
+            </a:r>
+            <a:r>
+              <a:rPr lang="ja-JP" altLang="en-US" sz="1600" b="1">
+                <a:solidFill>
+                  <a:srgbClr val="FF0000"/>
+                </a:solidFill>
+                <a:sym typeface="+mn-ea"/>
+              </a:rPr>
+              <a:t>精度向上（</a:t>
+            </a:r>
+            <a:r>
+              <a:rPr lang="en-US" altLang="ja-JP" sz="1600" b="1">
+                <a:solidFill>
+                  <a:srgbClr val="FF0000"/>
+                </a:solidFill>
+                <a:sym typeface="+mn-ea"/>
+              </a:rPr>
+              <a:t>1</a:t>
+            </a:r>
+            <a:r>
+              <a:rPr lang="ja-JP" altLang="en-US" sz="1600" b="1">
+                <a:solidFill>
+                  <a:srgbClr val="FF0000"/>
+                </a:solidFill>
+                <a:sym typeface="+mn-ea"/>
+              </a:rPr>
+              <a:t>ヶ月）</a:t>
+            </a:r>
+            <a:r>
+              <a:rPr lang="en-US" altLang="ja-JP" sz="1600" b="1">
+                <a:solidFill>
+                  <a:srgbClr val="FF0000"/>
+                </a:solidFill>
+                <a:sym typeface="+mn-ea"/>
+              </a:rPr>
+              <a:t>-&gt; </a:t>
+            </a:r>
+            <a:r>
+              <a:rPr lang="ja-JP" altLang="en-US" sz="1600" b="1">
+                <a:solidFill>
+                  <a:srgbClr val="FF0000"/>
+                </a:solidFill>
+                <a:sym typeface="+mn-ea"/>
+              </a:rPr>
+              <a:t>論文執筆（</a:t>
+            </a:r>
+            <a:r>
+              <a:rPr lang="en-US" altLang="ja-JP" sz="1600" b="1">
+                <a:solidFill>
+                  <a:srgbClr val="FF0000"/>
+                </a:solidFill>
+                <a:sym typeface="+mn-ea"/>
+              </a:rPr>
+              <a:t>1</a:t>
+            </a:r>
+            <a:r>
+              <a:rPr lang="ja-JP" altLang="en-US" sz="1600" b="1">
+                <a:solidFill>
+                  <a:srgbClr val="FF0000"/>
+                </a:solidFill>
+                <a:sym typeface="+mn-ea"/>
+              </a:rPr>
+              <a:t>ヶ月）</a:t>
+            </a:r>
+            <a:endParaRPr lang="ja-JP" altLang="en-US" sz="1600" b="1">
+              <a:solidFill>
+                <a:srgbClr val="FF0000"/>
+              </a:solidFill>
+            </a:endParaRPr>
+          </a:p>
+          <a:p>
+            <a:pPr marL="0" indent="0">
+              <a:buNone/>
+            </a:pPr>
+            <a:r>
+              <a:rPr lang="ja-JP" altLang="en-US" sz="2200"/>
+              <a:t>本研究は4つの段階に分かれています。</a:t>
+            </a:r>
+            <a:endParaRPr lang="ja-JP" altLang="en-US" sz="2200"/>
+          </a:p>
+          <a:p>
+            <a:pPr marL="0" indent="0">
+              <a:buNone/>
+            </a:pPr>
+            <a:r>
+              <a:rPr lang="ja-JP" altLang="en-US" sz="2200"/>
+              <a:t>予備実験、特徴の重要性分析、モデルの精度向上、論文の執筆となります。</a:t>
+            </a:r>
+            <a:endParaRPr lang="ja-JP" altLang="en-US" sz="2200"/>
+          </a:p>
+          <a:p>
+            <a:pPr marL="0" indent="0">
+              <a:buNone/>
+            </a:pPr>
+            <a:r>
+              <a:rPr lang="ja-JP" altLang="en-US" sz="2200"/>
+              <a:t>予備実験の段階はすでに終了しました。</a:t>
+            </a:r>
+            <a:endParaRPr lang="ja-JP" altLang="en-US" sz="2200"/>
+          </a:p>
+          <a:p>
+            <a:pPr marL="0" indent="0">
+              <a:buNone/>
+            </a:pPr>
+            <a:r>
+              <a:rPr lang="ja-JP" altLang="en-US" sz="2200"/>
+              <a:t>特徴の重要性分析の段階では、3ヶ月を見込んで、さらに機械学習や深層学習の知識を深めながら、適切な実験手法を提案し、一連の実験を行い、AI生成コードと人間が書いたコードの違いを探ります。</a:t>
+            </a:r>
+            <a:endParaRPr lang="ja-JP" altLang="en-US" sz="2200"/>
+          </a:p>
+          <a:p>
+            <a:pPr marL="0" indent="0">
+              <a:buNone/>
+            </a:pPr>
+            <a:r>
+              <a:rPr lang="ja-JP" altLang="en-US" sz="2200"/>
+              <a:t>モデルの精度向上の段階では、最先端のモデルを採用し、ステージ2の結論を参考にモデルのファンチューニングを行い、識別モデルの精度を理想的な範囲に向上。</a:t>
+            </a:r>
+            <a:endParaRPr lang="ja-JP" altLang="en-US" sz="2200"/>
+          </a:p>
+          <a:p>
+            <a:pPr marL="0" indent="0">
+              <a:buNone/>
+            </a:pPr>
+            <a:r>
+              <a:rPr lang="ja-JP" altLang="en-US" sz="2200"/>
+              <a:t>最後に、論文の執筆の段階では、1から2ヶ月を見込んで論文の執筆を完成させます。</a:t>
+            </a:r>
+            <a:endParaRPr lang="ja-JP" altLang="en-US" sz="2200"/>
           </a:p>
         </p:txBody>
       </p:sp>
